--- a/Daily Agendas/Day11.3_OsConceptMap5.pptx
+++ b/Daily Agendas/Day11.3_OsConceptMap5.pptx
@@ -304,7 +304,7 @@
             <a:fld id="{1D8BD707-D9CF-40AE-B4C6-C98DA3205C09}" type="datetimeFigureOut">
               <a:rPr lang="en-US" smtClean="0"/>
               <a:pPr/>
-              <a:t>11/11/2018</a:t>
+              <a:t>11/14/2018</a:t>
             </a:fld>
             <a:endParaRPr lang="en-US"/>
           </a:p>
@@ -469,7 +469,7 @@
             <a:fld id="{1D8BD707-D9CF-40AE-B4C6-C98DA3205C09}" type="datetimeFigureOut">
               <a:rPr lang="en-US" smtClean="0"/>
               <a:pPr/>
-              <a:t>11/11/2018</a:t>
+              <a:t>11/14/2018</a:t>
             </a:fld>
             <a:endParaRPr lang="en-US"/>
           </a:p>
@@ -644,7 +644,7 @@
             <a:fld id="{1D8BD707-D9CF-40AE-B4C6-C98DA3205C09}" type="datetimeFigureOut">
               <a:rPr lang="en-US" smtClean="0"/>
               <a:pPr/>
-              <a:t>11/11/2018</a:t>
+              <a:t>11/14/2018</a:t>
             </a:fld>
             <a:endParaRPr lang="en-US"/>
           </a:p>
@@ -809,7 +809,7 @@
             <a:fld id="{1D8BD707-D9CF-40AE-B4C6-C98DA3205C09}" type="datetimeFigureOut">
               <a:rPr lang="en-US" smtClean="0"/>
               <a:pPr/>
-              <a:t>11/11/2018</a:t>
+              <a:t>11/14/2018</a:t>
             </a:fld>
             <a:endParaRPr lang="en-US"/>
           </a:p>
@@ -1051,7 +1051,7 @@
             <a:fld id="{1D8BD707-D9CF-40AE-B4C6-C98DA3205C09}" type="datetimeFigureOut">
               <a:rPr lang="en-US" smtClean="0"/>
               <a:pPr/>
-              <a:t>11/11/2018</a:t>
+              <a:t>11/14/2018</a:t>
             </a:fld>
             <a:endParaRPr lang="en-US"/>
           </a:p>
@@ -1333,7 +1333,7 @@
             <a:fld id="{1D8BD707-D9CF-40AE-B4C6-C98DA3205C09}" type="datetimeFigureOut">
               <a:rPr lang="en-US" smtClean="0"/>
               <a:pPr/>
-              <a:t>11/11/2018</a:t>
+              <a:t>11/14/2018</a:t>
             </a:fld>
             <a:endParaRPr lang="en-US"/>
           </a:p>
@@ -1749,7 +1749,7 @@
             <a:fld id="{1D8BD707-D9CF-40AE-B4C6-C98DA3205C09}" type="datetimeFigureOut">
               <a:rPr lang="en-US" smtClean="0"/>
               <a:pPr/>
-              <a:t>11/11/2018</a:t>
+              <a:t>11/14/2018</a:t>
             </a:fld>
             <a:endParaRPr lang="en-US"/>
           </a:p>
@@ -1863,7 +1863,7 @@
             <a:fld id="{1D8BD707-D9CF-40AE-B4C6-C98DA3205C09}" type="datetimeFigureOut">
               <a:rPr lang="en-US" smtClean="0"/>
               <a:pPr/>
-              <a:t>11/11/2018</a:t>
+              <a:t>11/14/2018</a:t>
             </a:fld>
             <a:endParaRPr lang="en-US"/>
           </a:p>
@@ -1955,7 +1955,7 @@
             <a:fld id="{1D8BD707-D9CF-40AE-B4C6-C98DA3205C09}" type="datetimeFigureOut">
               <a:rPr lang="en-US" smtClean="0"/>
               <a:pPr/>
-              <a:t>11/11/2018</a:t>
+              <a:t>11/14/2018</a:t>
             </a:fld>
             <a:endParaRPr lang="en-US"/>
           </a:p>
@@ -2227,7 +2227,7 @@
             <a:fld id="{1D8BD707-D9CF-40AE-B4C6-C98DA3205C09}" type="datetimeFigureOut">
               <a:rPr lang="en-US" smtClean="0"/>
               <a:pPr/>
-              <a:t>11/11/2018</a:t>
+              <a:t>11/14/2018</a:t>
             </a:fld>
             <a:endParaRPr lang="en-US"/>
           </a:p>
@@ -2476,7 +2476,7 @@
             <a:fld id="{1D8BD707-D9CF-40AE-B4C6-C98DA3205C09}" type="datetimeFigureOut">
               <a:rPr lang="en-US" smtClean="0"/>
               <a:pPr/>
-              <a:t>11/11/2018</a:t>
+              <a:t>11/14/2018</a:t>
             </a:fld>
             <a:endParaRPr lang="en-US"/>
           </a:p>
@@ -2684,7 +2684,7 @@
             <a:fld id="{1D8BD707-D9CF-40AE-B4C6-C98DA3205C09}" type="datetimeFigureOut">
               <a:rPr lang="en-US" smtClean="0"/>
               <a:pPr/>
-              <a:t>11/11/2018</a:t>
+              <a:t>11/14/2018</a:t>
             </a:fld>
             <a:endParaRPr lang="en-US"/>
           </a:p>
@@ -3124,15 +3124,7 @@
             <a:pPr lvl="2"/>
             <a:r>
               <a:rPr lang="en-US" dirty="0"/>
-              <a:t>Finished Yesterday</a:t>
-            </a:r>
-            <a:endParaRPr lang="en-CA" dirty="0"/>
-          </a:p>
-          <a:p>
-            <a:pPr lvl="2"/>
-            <a:r>
-              <a:rPr lang="en-US" dirty="0"/>
-              <a:t>Submit repository for feedback</a:t>
+              <a:t>Finished / Submitted Yesterday</a:t>
             </a:r>
             <a:endParaRPr lang="en-CA" dirty="0"/>
           </a:p>
@@ -3161,6 +3153,14 @@
               <a:rPr lang="en-US" dirty="0"/>
               <a:t>Complete Today (End of Class)</a:t>
             </a:r>
+          </a:p>
+          <a:p>
+            <a:pPr lvl="2"/>
+            <a:r>
+              <a:rPr lang="en-CA" dirty="0"/>
+              <a:t>Submit to repository (File or Link)</a:t>
+            </a:r>
+            <a:endParaRPr lang="en-US"/>
           </a:p>
           <a:p>
             <a:pPr lvl="2"/>
@@ -3235,6 +3235,10 @@
               <a:rPr lang="en-US" sz="4000"/>
               <a:t>Nov 09</a:t>
             </a:r>
+            <a:r>
+              <a:rPr lang="en-US" sz="4000" dirty="0"/>
+              <a:t/>
+            </a:r>
             <a:br>
               <a:rPr lang="en-US" sz="4000" dirty="0"/>
             </a:br>
@@ -3305,6 +3309,10 @@
             <a:pPr marL="914400" lvl="2" indent="0">
               <a:buNone/>
             </a:pPr>
+            <a:r>
+              <a:rPr lang="en-US" dirty="0"/>
+              <a:t/>
+            </a:r>
             <a:br>
               <a:rPr lang="en-US" dirty="0"/>
             </a:br>
